--- a/03_VPC.pptx
+++ b/03_VPC.pptx
@@ -5,7 +5,7 @@
     <p:sldMasterId id="2147483648" r:id="rId1"/>
   </p:sldMasterIdLst>
   <p:notesMasterIdLst>
-    <p:notesMasterId r:id="rId14"/>
+    <p:notesMasterId r:id="rId13"/>
   </p:notesMasterIdLst>
   <p:sldIdLst>
     <p:sldId id="256" r:id="rId2"/>
@@ -18,8 +18,7 @@
     <p:sldId id="289" r:id="rId9"/>
     <p:sldId id="290" r:id="rId10"/>
     <p:sldId id="291" r:id="rId11"/>
-    <p:sldId id="283" r:id="rId12"/>
-    <p:sldId id="259" r:id="rId13"/>
+    <p:sldId id="259" r:id="rId12"/>
   </p:sldIdLst>
   <p:sldSz cx="9144000" cy="6858000" type="screen4x3"/>
   <p:notesSz cx="6858000" cy="9144000"/>
@@ -3464,7 +3463,7 @@
                   <a:srgbClr val="FFFF00"/>
                 </a:solidFill>
               </a:rPr>
-              <a:t>3 AWS Introduction</a:t>
+              <a:t>3 VPC</a:t>
             </a:r>
             <a:endParaRPr lang="zh-TW" altLang="en-US" sz="4800" b="1" dirty="0">
               <a:solidFill>
@@ -3662,7 +3661,7 @@
                   <a:srgbClr val="FFFF00"/>
                 </a:solidFill>
               </a:rPr>
-              <a:t>2 AWS Introduction</a:t>
+              <a:t>3 VPC</a:t>
             </a:r>
             <a:endParaRPr lang="zh-TW" altLang="en-US" b="1" dirty="0">
               <a:solidFill>
@@ -4021,155 +4020,6 @@
             <a:off x="0" y="2130425"/>
             <a:ext cx="9144000" cy="1470025"/>
           </a:xfrm>
-          <a:solidFill>
-            <a:srgbClr val="00B0F0"/>
-          </a:solidFill>
-        </p:spPr>
-        <p:txBody>
-          <a:bodyPr>
-            <a:normAutofit/>
-          </a:bodyPr>
-          <a:lstStyle/>
-          <a:p>
-            <a:r>
-              <a:rPr lang="en-US" altLang="zh-TW" sz="4800" b="1" dirty="0">
-                <a:solidFill>
-                  <a:srgbClr val="FFFF00"/>
-                </a:solidFill>
-              </a:rPr>
-              <a:t>2.1 What is Cloud?</a:t>
-            </a:r>
-            <a:endParaRPr lang="zh-TW" altLang="en-US" sz="4800" b="1" dirty="0">
-              <a:solidFill>
-                <a:srgbClr val="FFFF00"/>
-              </a:solidFill>
-            </a:endParaRPr>
-          </a:p>
-        </p:txBody>
-      </p:sp>
-      <p:sp>
-        <p:nvSpPr>
-          <p:cNvPr id="5" name="日期版面配置區 4"/>
-          <p:cNvSpPr>
-            <a:spLocks noGrp="1"/>
-          </p:cNvSpPr>
-          <p:nvPr>
-            <p:ph type="dt" sz="half" idx="10"/>
-          </p:nvPr>
-        </p:nvSpPr>
-        <p:spPr/>
-        <p:txBody>
-          <a:bodyPr/>
-          <a:lstStyle/>
-          <a:p>
-            <a:fld id="{C389EDC9-19E3-47AC-9C57-C6A24DEA81AD}" type="datetime1">
-              <a:rPr lang="zh-TW" altLang="en-US" smtClean="0"/>
-              <a:pPr/>
-              <a:t>2019/7/14</a:t>
-            </a:fld>
-            <a:endParaRPr lang="zh-TW" altLang="en-US"/>
-          </a:p>
-        </p:txBody>
-      </p:sp>
-      <p:sp>
-        <p:nvSpPr>
-          <p:cNvPr id="6" name="投影片編號版面配置區 5"/>
-          <p:cNvSpPr>
-            <a:spLocks noGrp="1"/>
-          </p:cNvSpPr>
-          <p:nvPr>
-            <p:ph type="sldNum" sz="quarter" idx="12"/>
-          </p:nvPr>
-        </p:nvSpPr>
-        <p:spPr/>
-        <p:txBody>
-          <a:bodyPr/>
-          <a:lstStyle/>
-          <a:p>
-            <a:fld id="{E4D7E63D-91F2-4366-A2C4-1B00C9E2590E}" type="slidenum">
-              <a:rPr lang="zh-TW" altLang="en-US" smtClean="0"/>
-              <a:pPr/>
-              <a:t>11</a:t>
-            </a:fld>
-            <a:endParaRPr lang="zh-TW" altLang="en-US"/>
-          </a:p>
-        </p:txBody>
-      </p:sp>
-      <p:pic>
-        <p:nvPicPr>
-          <p:cNvPr id="7" name="Picture 6">
-            <a:extLst>
-              <a:ext uri="{FF2B5EF4-FFF2-40B4-BE49-F238E27FC236}">
-                <a16:creationId xmlns:a16="http://schemas.microsoft.com/office/drawing/2014/main" id="{012968F7-5363-43B1-9EA3-07EE42A0B06E}"/>
-              </a:ext>
-            </a:extLst>
-          </p:cNvPr>
-          <p:cNvPicPr>
-            <a:picLocks noChangeAspect="1"/>
-          </p:cNvPicPr>
-          <p:nvPr/>
-        </p:nvPicPr>
-        <p:blipFill>
-          <a:blip r:embed="rId2"/>
-          <a:stretch>
-            <a:fillRect/>
-          </a:stretch>
-        </p:blipFill>
-        <p:spPr>
-          <a:xfrm>
-            <a:off x="3877481" y="3759338"/>
-            <a:ext cx="1444359" cy="821790"/>
-          </a:xfrm>
-          <a:prstGeom prst="rect">
-            <a:avLst/>
-          </a:prstGeom>
-        </p:spPr>
-      </p:pic>
-    </p:spTree>
-    <p:extLst>
-      <p:ext uri="{BB962C8B-B14F-4D97-AF65-F5344CB8AC3E}">
-        <p14:creationId xmlns:p14="http://schemas.microsoft.com/office/powerpoint/2010/main" val="317815818"/>
-      </p:ext>
-    </p:extLst>
-  </p:cSld>
-  <p:clrMapOvr>
-    <a:masterClrMapping/>
-  </p:clrMapOvr>
-</p:sld>
-</file>
-
-<file path=ppt/slides/slide12.xml><?xml version="1.0" encoding="utf-8"?>
-<p:sld xmlns:a="http://schemas.openxmlformats.org/drawingml/2006/main" xmlns:r="http://schemas.openxmlformats.org/officeDocument/2006/relationships" xmlns:p="http://schemas.openxmlformats.org/presentationml/2006/main">
-  <p:cSld>
-    <p:spTree>
-      <p:nvGrpSpPr>
-        <p:cNvPr id="1" name=""/>
-        <p:cNvGrpSpPr/>
-        <p:nvPr/>
-      </p:nvGrpSpPr>
-      <p:grpSpPr>
-        <a:xfrm>
-          <a:off x="0" y="0"/>
-          <a:ext cx="0" cy="0"/>
-          <a:chOff x="0" y="0"/>
-          <a:chExt cx="0" cy="0"/>
-        </a:xfrm>
-      </p:grpSpPr>
-      <p:sp>
-        <p:nvSpPr>
-          <p:cNvPr id="2" name="標題 1"/>
-          <p:cNvSpPr>
-            <a:spLocks noGrp="1"/>
-          </p:cNvSpPr>
-          <p:nvPr>
-            <p:ph type="ctrTitle"/>
-          </p:nvPr>
-        </p:nvSpPr>
-        <p:spPr>
-          <a:xfrm>
-            <a:off x="0" y="2130425"/>
-            <a:ext cx="9144000" cy="1470025"/>
-          </a:xfrm>
           <a:gradFill flip="none" rotWithShape="1">
             <a:gsLst>
               <a:gs pos="0">
@@ -4261,7 +4111,7 @@
             <a:fld id="{E4D7E63D-91F2-4366-A2C4-1B00C9E2590E}" type="slidenum">
               <a:rPr lang="zh-TW" altLang="en-US" smtClean="0"/>
               <a:pPr/>
-              <a:t>12</a:t>
+              <a:t>11</a:t>
             </a:fld>
             <a:endParaRPr lang="zh-TW" altLang="en-US"/>
           </a:p>
@@ -4347,7 +4197,7 @@
                   <a:srgbClr val="FFFF00"/>
                 </a:solidFill>
               </a:rPr>
-              <a:t>2 AWS Introduction</a:t>
+              <a:t>3 VPC</a:t>
             </a:r>
             <a:endParaRPr lang="zh-TW" altLang="en-US" b="1" dirty="0">
               <a:solidFill>
@@ -4702,7 +4552,7 @@
                   <a:srgbClr val="FFFF00"/>
                 </a:solidFill>
               </a:rPr>
-              <a:t>2 AWS Introduction</a:t>
+              <a:t>3 VPC</a:t>
             </a:r>
             <a:endParaRPr lang="zh-TW" altLang="en-US" b="1" dirty="0">
               <a:solidFill>
@@ -4989,7 +4839,7 @@
                   <a:srgbClr val="FFFF00"/>
                 </a:solidFill>
               </a:rPr>
-              <a:t>2 AWS Introduction</a:t>
+              <a:t>3 VPC</a:t>
             </a:r>
             <a:endParaRPr lang="zh-TW" altLang="en-US" b="1" dirty="0">
               <a:solidFill>
@@ -5276,7 +5126,7 @@
                   <a:srgbClr val="FFFF00"/>
                 </a:solidFill>
               </a:rPr>
-              <a:t>2 AWS Introduction</a:t>
+              <a:t>3 VPC</a:t>
             </a:r>
             <a:endParaRPr lang="zh-TW" altLang="en-US" b="1" dirty="0">
               <a:solidFill>
@@ -5563,7 +5413,7 @@
                   <a:srgbClr val="FFFF00"/>
                 </a:solidFill>
               </a:rPr>
-              <a:t>2 AWS Introduction</a:t>
+              <a:t>3 VPC</a:t>
             </a:r>
             <a:endParaRPr lang="zh-TW" altLang="en-US" b="1" dirty="0">
               <a:solidFill>
@@ -5884,7 +5734,7 @@
                   <a:srgbClr val="FFFF00"/>
                 </a:solidFill>
               </a:rPr>
-              <a:t>2 AWS Introduction</a:t>
+              <a:t>3 VPC</a:t>
             </a:r>
             <a:endParaRPr lang="zh-TW" altLang="en-US" b="1" dirty="0">
               <a:solidFill>
@@ -6188,7 +6038,7 @@
                   <a:srgbClr val="FFFF00"/>
                 </a:solidFill>
               </a:rPr>
-              <a:t>2 AWS Introduction</a:t>
+              <a:t>3 VPC</a:t>
             </a:r>
             <a:endParaRPr lang="zh-TW" altLang="en-US" b="1" dirty="0">
               <a:solidFill>
@@ -6492,7 +6342,7 @@
                   <a:srgbClr val="FFFF00"/>
                 </a:solidFill>
               </a:rPr>
-              <a:t>2 AWS Introduction</a:t>
+              <a:t>3 VPC</a:t>
             </a:r>
             <a:endParaRPr lang="zh-TW" altLang="en-US" b="1" dirty="0">
               <a:solidFill>

--- a/03_VPC.pptx
+++ b/03_VPC.pptx
@@ -3881,7 +3881,7 @@
               <a:rPr lang="en-US" sz="1600" dirty="0">
                 <a:hlinkClick r:id="rId2"/>
               </a:rPr>
-              <a:t>https://www.youtube.com/watch?v=qcY-uiEHhn0&amp;list=PLv2a_5pNAko2Jl4Ks7V428ttvy-Fj4NKU&amp;index=2</a:t>
+              <a:t>https://www.youtube.com/watch?v=_V3dqC80FHU&amp;list=PLv2a_5pNAko2Jl4Ks7V428ttvy-Fj4NKU&amp;index=3</a:t>
             </a:r>
             <a:endParaRPr lang="en-US" sz="1600" b="1" i="1" dirty="0"/>
           </a:p>
@@ -4373,7 +4373,7 @@
               <a:rPr lang="en-US" sz="1600" dirty="0">
                 <a:hlinkClick r:id="rId2"/>
               </a:rPr>
-              <a:t>https://www.youtube.com/watch?v=qcY-uiEHhn0&amp;list=PLv2a_5pNAko2Jl4Ks7V428ttvy-Fj4NKU&amp;index=2</a:t>
+              <a:t>https://www.youtube.com/watch?v=_V3dqC80FHU&amp;list=PLv2a_5pNAko2Jl4Ks7V428ttvy-Fj4NKU&amp;index=3</a:t>
             </a:r>
             <a:endParaRPr lang="en-US" sz="1600" b="1" i="1" dirty="0"/>
           </a:p>
@@ -4660,7 +4660,7 @@
               <a:rPr lang="en-US" sz="1600" dirty="0">
                 <a:hlinkClick r:id="rId2"/>
               </a:rPr>
-              <a:t>https://www.youtube.com/watch?v=qcY-uiEHhn0&amp;list=PLv2a_5pNAko2Jl4Ks7V428ttvy-Fj4NKU&amp;index=2</a:t>
+              <a:t>https://www.youtube.com/watch?v=_V3dqC80FHU&amp;list=PLv2a_5pNAko2Jl4Ks7V428ttvy-Fj4NKU&amp;index=3</a:t>
             </a:r>
             <a:endParaRPr lang="en-US" sz="1600" b="1" i="1" dirty="0"/>
           </a:p>
@@ -4947,7 +4947,7 @@
               <a:rPr lang="en-US" sz="1600" dirty="0">
                 <a:hlinkClick r:id="rId2"/>
               </a:rPr>
-              <a:t>https://www.youtube.com/watch?v=qcY-uiEHhn0&amp;list=PLv2a_5pNAko2Jl4Ks7V428ttvy-Fj4NKU&amp;index=2</a:t>
+              <a:t>https://www.youtube.com/watch?v=_V3dqC80FHU&amp;list=PLv2a_5pNAko2Jl4Ks7V428ttvy-Fj4NKU&amp;index=3</a:t>
             </a:r>
             <a:endParaRPr lang="en-US" sz="1600" b="1" i="1" dirty="0"/>
           </a:p>
@@ -5234,7 +5234,7 @@
               <a:rPr lang="en-US" sz="1600" dirty="0">
                 <a:hlinkClick r:id="rId2"/>
               </a:rPr>
-              <a:t>https://www.youtube.com/watch?v=qcY-uiEHhn0&amp;list=PLv2a_5pNAko2Jl4Ks7V428ttvy-Fj4NKU&amp;index=2</a:t>
+              <a:t>https://www.youtube.com/watch?v=_V3dqC80FHU&amp;list=PLv2a_5pNAko2Jl4Ks7V428ttvy-Fj4NKU&amp;index=3</a:t>
             </a:r>
             <a:endParaRPr lang="en-US" sz="1600" b="1" i="1" dirty="0"/>
           </a:p>
@@ -5555,7 +5555,7 @@
               <a:rPr lang="en-US" sz="1600" dirty="0">
                 <a:hlinkClick r:id="rId2"/>
               </a:rPr>
-              <a:t>https://www.youtube.com/watch?v=qcY-uiEHhn0&amp;list=PLv2a_5pNAko2Jl4Ks7V428ttvy-Fj4NKU&amp;index=2</a:t>
+              <a:t>https://www.youtube.com/watch?v=_V3dqC80FHU&amp;list=PLv2a_5pNAko2Jl4Ks7V428ttvy-Fj4NKU&amp;index=3</a:t>
             </a:r>
             <a:endParaRPr lang="en-US" sz="1600" b="1" i="1" dirty="0"/>
           </a:p>
@@ -5859,7 +5859,7 @@
               <a:rPr lang="en-US" sz="1600" dirty="0">
                 <a:hlinkClick r:id="rId2"/>
               </a:rPr>
-              <a:t>https://www.youtube.com/watch?v=qcY-uiEHhn0&amp;list=PLv2a_5pNAko2Jl4Ks7V428ttvy-Fj4NKU&amp;index=2</a:t>
+              <a:t>https://www.youtube.com/watch?v=_V3dqC80FHU&amp;list=PLv2a_5pNAko2Jl4Ks7V428ttvy-Fj4NKU&amp;index=3</a:t>
             </a:r>
             <a:endParaRPr lang="en-US" sz="1600" b="1" i="1" dirty="0"/>
           </a:p>
@@ -6163,7 +6163,7 @@
               <a:rPr lang="en-US" sz="1600" dirty="0">
                 <a:hlinkClick r:id="rId2"/>
               </a:rPr>
-              <a:t>https://www.youtube.com/watch?v=qcY-uiEHhn0&amp;list=PLv2a_5pNAko2Jl4Ks7V428ttvy-Fj4NKU&amp;index=2</a:t>
+              <a:t>https://www.youtube.com/watch?v=_V3dqC80FHU&amp;list=PLv2a_5pNAko2Jl4Ks7V428ttvy-Fj4NKU&amp;index=3</a:t>
             </a:r>
             <a:endParaRPr lang="en-US" sz="1600" b="1" i="1" dirty="0"/>
           </a:p>
@@ -6467,7 +6467,7 @@
               <a:rPr lang="en-US" sz="1600" dirty="0">
                 <a:hlinkClick r:id="rId2"/>
               </a:rPr>
-              <a:t>https://www.youtube.com/watch?v=qcY-uiEHhn0&amp;list=PLv2a_5pNAko2Jl4Ks7V428ttvy-Fj4NKU&amp;index=2</a:t>
+              <a:t>https://www.youtube.com/watch?v=_V3dqC80FHU&amp;list=PLv2a_5pNAko2Jl4Ks7V428ttvy-Fj4NKU&amp;index=3</a:t>
             </a:r>
             <a:endParaRPr lang="en-US" sz="1600" b="1" i="1" dirty="0"/>
           </a:p>
